--- a/doc/acl.pptx
+++ b/doc/acl.pptx
@@ -318,7 +318,7 @@
             <a:fld id="{6A1E91B6-4D00-4098-943A-0D973440C0B8}" type="datetimeFigureOut">
               <a:rPr lang="zh-CN" altLang="en-US" smtClean="0"/>
               <a:pPr/>
-              <a:t>2013/7/22</a:t>
+              <a:t>2014/5/28</a:t>
             </a:fld>
             <a:endParaRPr lang="zh-CN" altLang="en-US"/>
           </a:p>
@@ -490,7 +490,7 @@
             <a:fld id="{6A1E91B6-4D00-4098-943A-0D973440C0B8}" type="datetimeFigureOut">
               <a:rPr lang="zh-CN" altLang="en-US" smtClean="0"/>
               <a:pPr/>
-              <a:t>2013/7/22</a:t>
+              <a:t>2014/5/28</a:t>
             </a:fld>
             <a:endParaRPr lang="zh-CN" altLang="en-US"/>
           </a:p>
@@ -667,7 +667,7 @@
             <a:fld id="{6A1E91B6-4D00-4098-943A-0D973440C0B8}" type="datetimeFigureOut">
               <a:rPr lang="zh-CN" altLang="en-US" smtClean="0"/>
               <a:pPr/>
-              <a:t>2013/7/22</a:t>
+              <a:t>2014/5/28</a:t>
             </a:fld>
             <a:endParaRPr lang="zh-CN" altLang="en-US"/>
           </a:p>
@@ -834,7 +834,7 @@
             <a:fld id="{6A1E91B6-4D00-4098-943A-0D973440C0B8}" type="datetimeFigureOut">
               <a:rPr lang="zh-CN" altLang="en-US" smtClean="0"/>
               <a:pPr/>
-              <a:t>2013/7/22</a:t>
+              <a:t>2014/5/28</a:t>
             </a:fld>
             <a:endParaRPr lang="zh-CN" altLang="en-US"/>
           </a:p>
@@ -1070,7 +1070,7 @@
             <a:fld id="{6A1E91B6-4D00-4098-943A-0D973440C0B8}" type="datetimeFigureOut">
               <a:rPr lang="zh-CN" altLang="en-US" smtClean="0"/>
               <a:pPr/>
-              <a:t>2013/7/22</a:t>
+              <a:t>2014/5/28</a:t>
             </a:fld>
             <a:endParaRPr lang="zh-CN" altLang="en-US"/>
           </a:p>
@@ -1368,7 +1368,7 @@
             <a:fld id="{6A1E91B6-4D00-4098-943A-0D973440C0B8}" type="datetimeFigureOut">
               <a:rPr lang="zh-CN" altLang="en-US" smtClean="0"/>
               <a:pPr/>
-              <a:t>2013/7/22</a:t>
+              <a:t>2014/5/28</a:t>
             </a:fld>
             <a:endParaRPr lang="zh-CN" altLang="en-US"/>
           </a:p>
@@ -1754,7 +1754,7 @@
             <a:fld id="{6A1E91B6-4D00-4098-943A-0D973440C0B8}" type="datetimeFigureOut">
               <a:rPr lang="zh-CN" altLang="en-US" smtClean="0"/>
               <a:pPr/>
-              <a:t>2013/7/22</a:t>
+              <a:t>2014/5/28</a:t>
             </a:fld>
             <a:endParaRPr lang="zh-CN" altLang="en-US"/>
           </a:p>
@@ -1929,7 +1929,7 @@
             <a:fld id="{6A1E91B6-4D00-4098-943A-0D973440C0B8}" type="datetimeFigureOut">
               <a:rPr lang="zh-CN" altLang="en-US" smtClean="0"/>
               <a:pPr/>
-              <a:t>2013/7/22</a:t>
+              <a:t>2014/5/28</a:t>
             </a:fld>
             <a:endParaRPr lang="zh-CN" altLang="en-US"/>
           </a:p>
@@ -2021,7 +2021,7 @@
             <a:fld id="{6A1E91B6-4D00-4098-943A-0D973440C0B8}" type="datetimeFigureOut">
               <a:rPr lang="zh-CN" altLang="en-US" smtClean="0"/>
               <a:pPr/>
-              <a:t>2013/7/22</a:t>
+              <a:t>2014/5/28</a:t>
             </a:fld>
             <a:endParaRPr lang="zh-CN" altLang="en-US"/>
           </a:p>
@@ -2318,7 +2318,7 @@
             <a:fld id="{6A1E91B6-4D00-4098-943A-0D973440C0B8}" type="datetimeFigureOut">
               <a:rPr lang="zh-CN" altLang="en-US" smtClean="0"/>
               <a:pPr/>
-              <a:t>2013/7/22</a:t>
+              <a:t>2014/5/28</a:t>
             </a:fld>
             <a:endParaRPr lang="zh-CN" altLang="en-US"/>
           </a:p>
@@ -2454,7 +2454,7 @@
             <a:fld id="{6A1E91B6-4D00-4098-943A-0D973440C0B8}" type="datetimeFigureOut">
               <a:rPr lang="zh-CN" altLang="en-US" smtClean="0"/>
               <a:pPr/>
-              <a:t>2013/7/22</a:t>
+              <a:t>2014/5/28</a:t>
             </a:fld>
             <a:endParaRPr lang="zh-CN" altLang="en-US"/>
           </a:p>
@@ -2759,7 +2759,7 @@
             <a:fld id="{6A1E91B6-4D00-4098-943A-0D973440C0B8}" type="datetimeFigureOut">
               <a:rPr lang="zh-CN" altLang="en-US" smtClean="0"/>
               <a:pPr/>
-              <a:t>2013/7/22</a:t>
+              <a:t>2014/5/28</a:t>
             </a:fld>
             <a:endParaRPr lang="zh-CN" altLang="en-US"/>
           </a:p>
@@ -4457,8 +4457,8 @@
           </p:nvPr>
         </p:nvGraphicFramePr>
         <p:xfrm>
-          <a:off x="304800" y="1554163"/>
-          <a:ext cx="8686800" cy="5029200"/>
+          <a:off x="304800" y="1214422"/>
+          <a:ext cx="8686800" cy="5394960"/>
         </p:xfrm>
         <a:graphic>
           <a:graphicData uri="http://schemas.openxmlformats.org/drawingml/2006/table">
@@ -4843,6 +4843,58 @@
                       <a:r>
                         <a:rPr lang="zh-CN" altLang="en-US" dirty="0" smtClean="0"/>
                         <a:t>线程池模式</a:t>
+                      </a:r>
+                      <a:endParaRPr lang="zh-CN" altLang="en-US" dirty="0"/>
+                    </a:p>
+                  </a:txBody>
+                  <a:tcPr marL="96520" marR="96520"/>
+                </a:tc>
+                <a:tc>
+                  <a:txBody>
+                    <a:bodyPr/>
+                    <a:lstStyle/>
+                    <a:p>
+                      <a:r>
+                        <a:rPr lang="zh-CN" altLang="en-US" dirty="0" smtClean="0"/>
+                        <a:t>不支持</a:t>
+                      </a:r>
+                      <a:endParaRPr lang="zh-CN" altLang="en-US" dirty="0"/>
+                    </a:p>
+                  </a:txBody>
+                  <a:tcPr marL="96520" marR="96520"/>
+                </a:tc>
+                <a:tc>
+                  <a:txBody>
+                    <a:bodyPr/>
+                    <a:lstStyle/>
+                    <a:p>
+                      <a:r>
+                        <a:rPr lang="zh-CN" altLang="en-US" dirty="0" smtClean="0"/>
+                        <a:t>支持</a:t>
+                      </a:r>
+                      <a:endParaRPr lang="zh-CN" altLang="en-US" dirty="0"/>
+                    </a:p>
+                  </a:txBody>
+                  <a:tcPr marL="96520" marR="96520"/>
+                </a:tc>
+              </a:tr>
+              <a:tr h="251156">
+                <a:tc>
+                  <a:txBody>
+                    <a:bodyPr/>
+                    <a:lstStyle/>
+                    <a:p>
+                      <a:r>
+                        <a:rPr lang="en-US" altLang="zh-CN" dirty="0" smtClean="0"/>
+                        <a:t>UDP</a:t>
+                      </a:r>
+                      <a:r>
+                        <a:rPr lang="en-US" altLang="zh-CN" baseline="0" dirty="0" smtClean="0"/>
+                        <a:t> </a:t>
+                      </a:r>
+                      <a:r>
+                        <a:rPr lang="zh-CN" altLang="en-US" baseline="0" dirty="0" smtClean="0"/>
+                        <a:t>模式</a:t>
                       </a:r>
                       <a:endParaRPr lang="zh-CN" altLang="en-US" dirty="0"/>
                     </a:p>
@@ -6405,11 +6457,7 @@
             </a:r>
             <a:r>
               <a:rPr lang="zh-CN" altLang="en-US" dirty="0" smtClean="0"/>
-              <a:t>通信</a:t>
-            </a:r>
-            <a:r>
-              <a:rPr lang="zh-CN" altLang="en-US" dirty="0" smtClean="0"/>
-              <a:t>模块</a:t>
+              <a:t>通信模块</a:t>
             </a:r>
             <a:endParaRPr lang="en-US" altLang="zh-CN" dirty="0" smtClean="0"/>
           </a:p>
@@ -6830,11 +6878,7 @@
             </a:r>
             <a:r>
               <a:rPr lang="zh-CN" altLang="en-US" dirty="0" smtClean="0"/>
-              <a:t>分级日志</a:t>
-            </a:r>
-            <a:r>
-              <a:rPr lang="zh-CN" altLang="en-US" dirty="0" smtClean="0"/>
-              <a:t>示例</a:t>
+              <a:t>分级日志示例</a:t>
             </a:r>
             <a:r>
               <a:rPr lang="en-US" altLang="zh-CN" dirty="0" smtClean="0"/>
@@ -6995,13 +7039,8 @@
           <a:p>
             <a:r>
               <a:rPr lang="en-US" altLang="zh-CN" dirty="0" smtClean="0"/>
-              <a:t>  </a:t>
-            </a:r>
-            <a:r>
-              <a:rPr lang="en-US" altLang="zh-CN" dirty="0" smtClean="0"/>
-              <a:t>......  </a:t>
-            </a:r>
-            <a:endParaRPr lang="en-US" altLang="zh-CN" dirty="0" smtClean="0"/>
+              <a:t>  ......  </a:t>
+            </a:r>
           </a:p>
           <a:p>
             <a:r>
@@ -7154,11 +7193,7 @@
             </a:r>
             <a:r>
               <a:rPr lang="en-US" altLang="zh-CN" dirty="0" smtClean="0"/>
-              <a:t>(102, 1)("%s(%d): log time: %ld", __FILE__, __LINE__, time(NULL</a:t>
-            </a:r>
-            <a:r>
-              <a:rPr lang="en-US" altLang="zh-CN" dirty="0" smtClean="0"/>
-              <a:t>));</a:t>
+              <a:t>(102, 1)("%s(%d): log time: %ld", __FILE__, __LINE__, time(NULL));</a:t>
             </a:r>
           </a:p>
           <a:p>
@@ -7271,11 +7306,7 @@
             </a:r>
             <a:r>
               <a:rPr lang="en-US" altLang="zh-CN" dirty="0" smtClean="0"/>
-              <a:t>(</a:t>
-            </a:r>
-            <a:r>
-              <a:rPr lang="en-US" altLang="zh-CN" dirty="0" smtClean="0"/>
-              <a:t>C++</a:t>
+              <a:t>(C++</a:t>
             </a:r>
             <a:r>
               <a:rPr lang="zh-CN" altLang="en-US" dirty="0" smtClean="0"/>
@@ -7478,11 +7509,7 @@
             </a:r>
             <a:r>
               <a:rPr lang="zh-CN" altLang="en-US" dirty="0" smtClean="0"/>
-              <a:t>日志</a:t>
-            </a:r>
-            <a:r>
-              <a:rPr lang="zh-CN" altLang="en-US" dirty="0" smtClean="0"/>
-              <a:t>输出目标</a:t>
+              <a:t>日志输出目标</a:t>
             </a:r>
             <a:endParaRPr lang="zh-CN" altLang="en-US" dirty="0"/>
           </a:p>
@@ -7520,11 +7547,7 @@
           <a:p>
             <a:r>
               <a:rPr lang="en-US" altLang="zh-CN" sz="1800" dirty="0" err="1" smtClean="0"/>
-              <a:t>a</a:t>
-            </a:r>
-            <a:r>
-              <a:rPr lang="en-US" altLang="zh-CN" sz="1800" dirty="0" err="1" smtClean="0"/>
-              <a:t>cl_msg_open</a:t>
+              <a:t>acl_msg_open</a:t>
             </a:r>
             <a:r>
               <a:rPr lang="en-US" altLang="zh-CN" sz="1800" dirty="0" smtClean="0"/>
@@ -7638,11 +7661,7 @@
             </a:r>
             <a:r>
               <a:rPr lang="en-US" altLang="zh-CN" sz="1800" dirty="0" smtClean="0"/>
-              <a:t>, </a:t>
-            </a:r>
-            <a:r>
-              <a:rPr lang="en-US" altLang="zh-CN" sz="1800" dirty="0" smtClean="0"/>
-              <a:t>ACL_MSG_WRITE_FN </a:t>
+              <a:t>, ACL_MSG_WRITE_FN </a:t>
             </a:r>
             <a:r>
               <a:rPr lang="en-US" altLang="zh-CN" sz="1800" dirty="0" err="1" smtClean="0"/>
@@ -7786,11 +7805,7 @@
           <a:p>
             <a:r>
               <a:rPr lang="zh-CN" altLang="en-US" dirty="0" smtClean="0"/>
-              <a:t>五</a:t>
-            </a:r>
-            <a:r>
-              <a:rPr lang="zh-CN" altLang="en-US" dirty="0" smtClean="0"/>
-              <a:t>、基于 </a:t>
+              <a:t>五、基于 </a:t>
             </a:r>
             <a:r>
               <a:rPr lang="en-US" altLang="zh-CN" dirty="0" err="1" smtClean="0"/>
@@ -9565,7 +9580,6 @@
               <a:rPr lang="en-US" altLang="zh-CN" sz="1200" dirty="0" smtClean="0"/>
               <a:t>/** </a:t>
             </a:r>
-            <a:endParaRPr lang="en-US" altLang="zh-CN" sz="1200" dirty="0" smtClean="0"/>
           </a:p>
           <a:p>
             <a:r>
@@ -9776,15 +9790,7 @@
           <a:p>
             <a:r>
               <a:rPr lang="en-US" altLang="zh-CN" sz="1200" dirty="0" smtClean="0"/>
-              <a:t>  </a:t>
-            </a:r>
-            <a:r>
-              <a:rPr lang="en-US" altLang="zh-CN" sz="1200" dirty="0" smtClean="0"/>
-              <a:t>  </a:t>
-            </a:r>
-            <a:r>
-              <a:rPr lang="en-US" altLang="zh-CN" sz="1200" dirty="0" smtClean="0"/>
-              <a:t>/* </a:t>
+              <a:t>    /* </a:t>
             </a:r>
             <a:r>
               <a:rPr lang="zh-CN" altLang="en-US" sz="1200" dirty="0" smtClean="0"/>
@@ -9880,15 +9886,7 @@
           <a:p>
             <a:r>
               <a:rPr lang="en-US" altLang="zh-CN" sz="1200" dirty="0" smtClean="0"/>
-              <a:t>  </a:t>
-            </a:r>
-            <a:r>
-              <a:rPr lang="en-US" altLang="zh-CN" sz="1200" dirty="0" smtClean="0"/>
-              <a:t>   </a:t>
-            </a:r>
-            <a:r>
-              <a:rPr lang="en-US" altLang="zh-CN" sz="1200" dirty="0" smtClean="0"/>
-              <a:t>/* </a:t>
+              <a:t>     /* </a:t>
             </a:r>
             <a:r>
               <a:rPr lang="zh-CN" altLang="en-US" sz="1200" dirty="0" smtClean="0"/>
@@ -9962,7 +9960,6 @@
               <a:rPr lang="en-US" altLang="zh-CN" sz="1200" dirty="0" smtClean="0"/>
               <a:t>}</a:t>
             </a:r>
-            <a:endParaRPr lang="en-US" altLang="zh-CN" sz="1200" dirty="0" smtClean="0"/>
           </a:p>
         </p:txBody>
       </p:sp>
@@ -11843,11 +11840,7 @@
             </a:r>
             <a:r>
               <a:rPr lang="zh-CN" altLang="en-US" dirty="0" smtClean="0"/>
-              <a:t>的流式编程</a:t>
-            </a:r>
-            <a:r>
-              <a:rPr lang="zh-CN" altLang="en-US" dirty="0" smtClean="0"/>
-              <a:t>示例</a:t>
+              <a:t>的流式编程示例</a:t>
             </a:r>
             <a:r>
               <a:rPr lang="en-US" altLang="zh-CN" dirty="0" smtClean="0"/>
@@ -11884,11 +11877,7 @@
           <a:p>
             <a:r>
               <a:rPr lang="en-US" altLang="zh-CN" sz="2200" dirty="0" err="1" smtClean="0"/>
-              <a:t>a</a:t>
-            </a:r>
-            <a:r>
-              <a:rPr lang="en-US" altLang="zh-CN" sz="2200" dirty="0" err="1" smtClean="0"/>
-              <a:t>cl</a:t>
+              <a:t>acl</a:t>
             </a:r>
             <a:r>
               <a:rPr lang="en-US" altLang="zh-CN" sz="2200" dirty="0" smtClean="0"/>
@@ -11917,11 +11906,7 @@
           <a:p>
             <a:r>
               <a:rPr lang="en-US" altLang="zh-CN" sz="2200" dirty="0" smtClean="0"/>
-              <a:t>c</a:t>
-            </a:r>
-            <a:r>
-              <a:rPr lang="en-US" altLang="zh-CN" sz="2200" dirty="0" smtClean="0"/>
-              <a:t>har </a:t>
+              <a:t>char </a:t>
             </a:r>
             <a:r>
               <a:rPr lang="en-US" altLang="zh-CN" sz="2200" dirty="0" err="1" smtClean="0"/>
@@ -11977,11 +11962,7 @@
             <a:pPr lvl="1"/>
             <a:r>
               <a:rPr lang="en-US" altLang="zh-CN" sz="2200" dirty="0" err="1" smtClean="0"/>
-              <a:t>b</a:t>
-            </a:r>
-            <a:r>
-              <a:rPr lang="en-US" altLang="zh-CN" sz="2200" dirty="0" err="1" smtClean="0"/>
-              <a:t>uf</a:t>
+              <a:t>buf</a:t>
             </a:r>
             <a:r>
               <a:rPr lang="en-US" altLang="zh-CN" sz="2200" dirty="0" smtClean="0"/>
@@ -11992,11 +11973,7 @@
             <a:pPr lvl="1"/>
             <a:r>
               <a:rPr lang="en-US" altLang="zh-CN" sz="2200" dirty="0" err="1" smtClean="0"/>
-              <a:t>p</a:t>
-            </a:r>
-            <a:r>
-              <a:rPr lang="en-US" altLang="zh-CN" sz="2200" dirty="0" err="1" smtClean="0"/>
-              <a:t>arser.update</a:t>
+              <a:t>parser.update</a:t>
             </a:r>
             <a:r>
               <a:rPr lang="en-US" altLang="zh-CN" sz="2200" dirty="0" smtClean="0"/>
@@ -12028,11 +12005,7 @@
             <a:pPr lvl="1"/>
             <a:r>
               <a:rPr lang="en-US" altLang="zh-CN" sz="2200" dirty="0" err="1" smtClean="0"/>
-              <a:t>p</a:t>
-            </a:r>
-            <a:r>
-              <a:rPr lang="en-US" altLang="zh-CN" sz="2200" dirty="0" err="1" smtClean="0"/>
-              <a:t>tr</a:t>
+              <a:t>ptr</a:t>
             </a:r>
             <a:r>
               <a:rPr lang="en-US" altLang="zh-CN" sz="2200" dirty="0" smtClean="0"/>
@@ -12075,11 +12048,7 @@
             </a:r>
             <a:r>
               <a:rPr lang="en-US" altLang="zh-CN" sz="2200" dirty="0" smtClean="0"/>
-              <a:t>* node = parser.</a:t>
-            </a:r>
-            <a:r>
-              <a:rPr lang="en-US" altLang="zh-CN" sz="2200" dirty="0" smtClean="0"/>
-              <a:t> </a:t>
+              <a:t>* node = parser. </a:t>
             </a:r>
             <a:r>
               <a:rPr lang="en-US" altLang="zh-CN" sz="2200" dirty="0" err="1" smtClean="0"/>
@@ -12107,11 +12076,7 @@
             <a:pPr lvl="1"/>
             <a:r>
               <a:rPr lang="en-US" altLang="zh-CN" sz="2200" dirty="0" smtClean="0"/>
-              <a:t>i</a:t>
-            </a:r>
-            <a:r>
-              <a:rPr lang="en-US" altLang="zh-CN" sz="2200" dirty="0" smtClean="0"/>
-              <a:t>f (name != NULL)</a:t>
+              <a:t>if (name != NULL)</a:t>
             </a:r>
           </a:p>
           <a:p>
@@ -12130,7 +12095,6 @@
               <a:rPr lang="en-US" altLang="zh-CN" sz="2200" dirty="0" smtClean="0"/>
               <a:t>}</a:t>
             </a:r>
-            <a:endParaRPr lang="en-US" altLang="zh-CN" sz="2200" dirty="0" smtClean="0"/>
           </a:p>
           <a:p>
             <a:endParaRPr lang="en-US" altLang="zh-CN" dirty="0" smtClean="0"/>
@@ -12707,11 +12671,7 @@
             </a:r>
             <a:r>
               <a:rPr lang="zh-CN" altLang="en-US" sz="2000" dirty="0" smtClean="0"/>
-              <a:t>编码的流式解析处理器</a:t>
-            </a:r>
-            <a:r>
-              <a:rPr lang="zh-CN" altLang="en-US" sz="2000" dirty="0" smtClean="0"/>
-              <a:t>；</a:t>
+              <a:t>编码的流式解析处理器；</a:t>
             </a:r>
             <a:endParaRPr lang="en-US" altLang="zh-CN" sz="2000" dirty="0" smtClean="0"/>
           </a:p>
@@ -12732,7 +12692,6 @@
               <a:rPr lang="zh-CN" altLang="en-US" sz="2000" dirty="0" smtClean="0"/>
               <a:t>生成器；</a:t>
             </a:r>
-            <a:endParaRPr lang="zh-CN" altLang="en-US" sz="2000" dirty="0" smtClean="0"/>
           </a:p>
           <a:p>
             <a:r>
@@ -13809,6 +13768,24 @@
               <a:t>ACL </a:t>
             </a:r>
             <a:r>
+              <a:rPr lang="en-US" altLang="zh-CN" sz="2400" dirty="0" err="1" smtClean="0"/>
+              <a:t>githup</a:t>
+            </a:r>
+            <a:r>
+              <a:rPr lang="zh-CN" altLang="en-US" sz="2400" dirty="0" smtClean="0"/>
+              <a:t>：</a:t>
+            </a:r>
+            <a:r>
+              <a:rPr lang="en-US" altLang="zh-CN" sz="2400" dirty="0" smtClean="0"/>
+              <a:t>https://github.com/zhengshuxin/acl</a:t>
+            </a:r>
+          </a:p>
+          <a:p>
+            <a:r>
+              <a:rPr lang="en-US" altLang="zh-CN" sz="2400" dirty="0" smtClean="0"/>
+              <a:t>ACL </a:t>
+            </a:r>
+            <a:r>
               <a:rPr lang="zh-CN" altLang="en-US" sz="2400" dirty="0" smtClean="0"/>
               <a:t>技术博客：</a:t>
             </a:r>
@@ -13836,23 +13813,6 @@
               <a:t>https://sourceforge.net/projects/acl/files/doc/</a:t>
             </a:r>
             <a:endParaRPr lang="en-US" altLang="zh-CN" sz="2400" dirty="0" smtClean="0"/>
-          </a:p>
-          <a:p>
-            <a:r>
-              <a:rPr lang="en-US" altLang="zh-CN" sz="2400" dirty="0" smtClean="0"/>
-              <a:t>ACL </a:t>
-            </a:r>
-            <a:r>
-              <a:rPr lang="zh-CN" altLang="en-US" sz="2400" dirty="0" smtClean="0"/>
-              <a:t>内网帮助：</a:t>
-            </a:r>
-            <a:r>
-              <a:rPr lang="en-US" altLang="zh-CN" sz="2400" dirty="0" smtClean="0">
-                <a:hlinkClick r:id="rId5"/>
-              </a:rPr>
-              <a:t> http://192.168.188.173:8081/help/</a:t>
-            </a:r>
-            <a:endParaRPr lang="zh-CN" altLang="en-US" sz="2400" dirty="0"/>
           </a:p>
         </p:txBody>
       </p:sp>
@@ -14701,11 +14661,7 @@
           <a:p>
             <a:r>
               <a:rPr lang="zh-CN" altLang="en-US" sz="2400" dirty="0" smtClean="0"/>
-              <a:t>某些小的团队及个人：游戏服务</a:t>
-            </a:r>
-            <a:r>
-              <a:rPr lang="zh-CN" altLang="en-US" sz="2400" dirty="0" smtClean="0"/>
-              <a:t>端、视频服务等</a:t>
+              <a:t>某些小的团队及个人：游戏服务端、视频服务等</a:t>
             </a:r>
             <a:endParaRPr lang="en-US" altLang="zh-CN" sz="2400" dirty="0" smtClean="0"/>
           </a:p>
@@ -15115,11 +15071,7 @@
             </a:r>
             <a:r>
               <a:rPr lang="en-US" altLang="zh-CN" sz="2400" dirty="0" smtClean="0"/>
-              <a:t> protocol-buffer(C</a:t>
-            </a:r>
-            <a:r>
-              <a:rPr lang="en-US" altLang="zh-CN" sz="2400" dirty="0" smtClean="0"/>
-              <a:t>++)</a:t>
+              <a:t> protocol-buffer(C++)</a:t>
             </a:r>
           </a:p>
           <a:p>
@@ -15152,11 +15104,7 @@
             </a:r>
             <a:r>
               <a:rPr lang="en-US" altLang="zh-CN" sz="2400" dirty="0" err="1" smtClean="0"/>
-              <a:t>li</a:t>
-            </a:r>
-            <a:r>
-              <a:rPr lang="en-US" altLang="zh-CN" sz="2400" dirty="0" err="1" smtClean="0"/>
-              <a:t>b_acl</a:t>
+              <a:t>lib_acl</a:t>
             </a:r>
             <a:r>
               <a:rPr lang="en-US" altLang="zh-CN" sz="2400" dirty="0" smtClean="0"/>
@@ -15918,7 +15866,7 @@
         <a:sysClr val="windowText" lastClr="000000"/>
       </a:dk1>
       <a:lt1>
-        <a:sysClr val="window" lastClr="C0C0C0"/>
+        <a:sysClr val="window" lastClr="FFFFFF"/>
       </a:lt1>
       <a:dk2>
         <a:srgbClr val="4E3B30"/>
